--- a/Pg_PowerAnalysis/Pg_Nov2018_exp_setup.pptx
+++ b/Pg_PowerAnalysis/Pg_Nov2018_exp_setup.pptx
@@ -8,7 +8,10 @@
     <p:sldId id="256" r:id="rId2"/>
     <p:sldId id="257" r:id="rId3"/>
     <p:sldId id="259" r:id="rId4"/>
-    <p:sldId id="258" r:id="rId5"/>
+    <p:sldId id="263" r:id="rId5"/>
+    <p:sldId id="260" r:id="rId6"/>
+    <p:sldId id="262" r:id="rId7"/>
+    <p:sldId id="264" r:id="rId8"/>
   </p:sldIdLst>
   <p:sldSz cx="12192000" cy="6858000"/>
   <p:notesSz cx="6858000" cy="9144000"/>
@@ -273,7 +276,7 @@
           <a:p>
             <a:fld id="{59F3DB25-7812-344F-87D1-7A0496CE5352}" type="datetimeFigureOut">
               <a:rPr lang="en-US" smtClean="0"/>
-              <a:t>9/28/18</a:t>
+              <a:t>10/1/18</a:t>
             </a:fld>
             <a:endParaRPr lang="en-US"/>
           </a:p>
@@ -471,7 +474,7 @@
           <a:p>
             <a:fld id="{59F3DB25-7812-344F-87D1-7A0496CE5352}" type="datetimeFigureOut">
               <a:rPr lang="en-US" smtClean="0"/>
-              <a:t>9/28/18</a:t>
+              <a:t>10/1/18</a:t>
             </a:fld>
             <a:endParaRPr lang="en-US"/>
           </a:p>
@@ -679,7 +682,7 @@
           <a:p>
             <a:fld id="{59F3DB25-7812-344F-87D1-7A0496CE5352}" type="datetimeFigureOut">
               <a:rPr lang="en-US" smtClean="0"/>
-              <a:t>9/28/18</a:t>
+              <a:t>10/1/18</a:t>
             </a:fld>
             <a:endParaRPr lang="en-US"/>
           </a:p>
@@ -877,7 +880,7 @@
           <a:p>
             <a:fld id="{59F3DB25-7812-344F-87D1-7A0496CE5352}" type="datetimeFigureOut">
               <a:rPr lang="en-US" smtClean="0"/>
-              <a:t>9/28/18</a:t>
+              <a:t>10/1/18</a:t>
             </a:fld>
             <a:endParaRPr lang="en-US"/>
           </a:p>
@@ -1152,7 +1155,7 @@
           <a:p>
             <a:fld id="{59F3DB25-7812-344F-87D1-7A0496CE5352}" type="datetimeFigureOut">
               <a:rPr lang="en-US" smtClean="0"/>
-              <a:t>9/28/18</a:t>
+              <a:t>10/1/18</a:t>
             </a:fld>
             <a:endParaRPr lang="en-US"/>
           </a:p>
@@ -1417,7 +1420,7 @@
           <a:p>
             <a:fld id="{59F3DB25-7812-344F-87D1-7A0496CE5352}" type="datetimeFigureOut">
               <a:rPr lang="en-US" smtClean="0"/>
-              <a:t>9/28/18</a:t>
+              <a:t>10/1/18</a:t>
             </a:fld>
             <a:endParaRPr lang="en-US"/>
           </a:p>
@@ -1829,7 +1832,7 @@
           <a:p>
             <a:fld id="{59F3DB25-7812-344F-87D1-7A0496CE5352}" type="datetimeFigureOut">
               <a:rPr lang="en-US" smtClean="0"/>
-              <a:t>9/28/18</a:t>
+              <a:t>10/1/18</a:t>
             </a:fld>
             <a:endParaRPr lang="en-US"/>
           </a:p>
@@ -1970,7 +1973,7 @@
           <a:p>
             <a:fld id="{59F3DB25-7812-344F-87D1-7A0496CE5352}" type="datetimeFigureOut">
               <a:rPr lang="en-US" smtClean="0"/>
-              <a:t>9/28/18</a:t>
+              <a:t>10/1/18</a:t>
             </a:fld>
             <a:endParaRPr lang="en-US"/>
           </a:p>
@@ -2083,7 +2086,7 @@
           <a:p>
             <a:fld id="{59F3DB25-7812-344F-87D1-7A0496CE5352}" type="datetimeFigureOut">
               <a:rPr lang="en-US" smtClean="0"/>
-              <a:t>9/28/18</a:t>
+              <a:t>10/1/18</a:t>
             </a:fld>
             <a:endParaRPr lang="en-US"/>
           </a:p>
@@ -2394,7 +2397,7 @@
           <a:p>
             <a:fld id="{59F3DB25-7812-344F-87D1-7A0496CE5352}" type="datetimeFigureOut">
               <a:rPr lang="en-US" smtClean="0"/>
-              <a:t>9/28/18</a:t>
+              <a:t>10/1/18</a:t>
             </a:fld>
             <a:endParaRPr lang="en-US"/>
           </a:p>
@@ -2682,7 +2685,7 @@
           <a:p>
             <a:fld id="{59F3DB25-7812-344F-87D1-7A0496CE5352}" type="datetimeFigureOut">
               <a:rPr lang="en-US" smtClean="0"/>
-              <a:t>9/28/18</a:t>
+              <a:t>10/1/18</a:t>
             </a:fld>
             <a:endParaRPr lang="en-US"/>
           </a:p>
@@ -2923,7 +2926,7 @@
           <a:p>
             <a:fld id="{59F3DB25-7812-344F-87D1-7A0496CE5352}" type="datetimeFigureOut">
               <a:rPr lang="en-US" smtClean="0"/>
-              <a:t>9/28/18</a:t>
+              <a:t>10/1/18</a:t>
             </a:fld>
             <a:endParaRPr lang="en-US"/>
           </a:p>
@@ -5176,6 +5179,122 @@
           </a:p>
         </p:txBody>
       </p:sp>
+      <p:sp>
+        <p:nvSpPr>
+          <p:cNvPr id="25" name="TextBox 24">
+            <a:extLst>
+              <a:ext uri="{FF2B5EF4-FFF2-40B4-BE49-F238E27FC236}">
+                <a16:creationId xmlns:a16="http://schemas.microsoft.com/office/drawing/2014/main" id="{A90092D0-922D-D74E-9C00-36F00A88347B}"/>
+              </a:ext>
+            </a:extLst>
+          </p:cNvPr>
+          <p:cNvSpPr txBox="1"/>
+          <p:nvPr/>
+        </p:nvSpPr>
+        <p:spPr>
+          <a:xfrm>
+            <a:off x="11045671" y="0"/>
+            <a:ext cx="1146329" cy="923330"/>
+          </a:xfrm>
+          <a:prstGeom prst="rect">
+            <a:avLst/>
+          </a:prstGeom>
+          <a:noFill/>
+        </p:spPr>
+        <p:txBody>
+          <a:bodyPr wrap="square" rtlCol="0">
+            <a:spAutoFit/>
+          </a:bodyPr>
+          <a:lstStyle/>
+          <a:p>
+            <a:r>
+              <a:rPr lang="en-US" dirty="0">
+                <a:solidFill>
+                  <a:srgbClr val="FF0000"/>
+                </a:solidFill>
+              </a:rPr>
+              <a:t>Like this scenario the best</a:t>
+            </a:r>
+          </a:p>
+        </p:txBody>
+      </p:sp>
+      <p:sp>
+        <p:nvSpPr>
+          <p:cNvPr id="26" name="TextBox 25">
+            <a:extLst>
+              <a:ext uri="{FF2B5EF4-FFF2-40B4-BE49-F238E27FC236}">
+                <a16:creationId xmlns:a16="http://schemas.microsoft.com/office/drawing/2014/main" id="{E74772DD-2A78-5E42-8C0C-2FA54F11E632}"/>
+              </a:ext>
+            </a:extLst>
+          </p:cNvPr>
+          <p:cNvSpPr txBox="1"/>
+          <p:nvPr/>
+        </p:nvSpPr>
+        <p:spPr>
+          <a:xfrm>
+            <a:off x="10923920" y="1235443"/>
+            <a:ext cx="1268080" cy="3139321"/>
+          </a:xfrm>
+          <a:prstGeom prst="rect">
+            <a:avLst/>
+          </a:prstGeom>
+          <a:noFill/>
+        </p:spPr>
+        <p:txBody>
+          <a:bodyPr wrap="square" rtlCol="0">
+            <a:spAutoFit/>
+          </a:bodyPr>
+          <a:lstStyle/>
+          <a:p>
+            <a:r>
+              <a:rPr lang="en-US" dirty="0"/>
+              <a:t>Need holding tanks for post spawned and non-</a:t>
+            </a:r>
+            <a:r>
+              <a:rPr lang="en-US" dirty="0" err="1"/>
+              <a:t>spawners</a:t>
+            </a:r>
+            <a:r>
+              <a:rPr lang="en-US" dirty="0"/>
+              <a:t>…what do we want to do with these?</a:t>
+            </a:r>
+          </a:p>
+        </p:txBody>
+      </p:sp>
+      <p:sp>
+        <p:nvSpPr>
+          <p:cNvPr id="27" name="Rectangle 26">
+            <a:extLst>
+              <a:ext uri="{FF2B5EF4-FFF2-40B4-BE49-F238E27FC236}">
+                <a16:creationId xmlns:a16="http://schemas.microsoft.com/office/drawing/2014/main" id="{BE4B14A6-5A3C-504A-AC30-600F22A530EC}"/>
+              </a:ext>
+            </a:extLst>
+          </p:cNvPr>
+          <p:cNvSpPr/>
+          <p:nvPr/>
+        </p:nvSpPr>
+        <p:spPr>
+          <a:xfrm>
+            <a:off x="6096000" y="5318093"/>
+            <a:ext cx="6096000" cy="646331"/>
+          </a:xfrm>
+          <a:prstGeom prst="rect">
+            <a:avLst/>
+          </a:prstGeom>
+        </p:spPr>
+        <p:txBody>
+          <a:bodyPr>
+            <a:spAutoFit/>
+          </a:bodyPr>
+          <a:lstStyle/>
+          <a:p>
+            <a:r>
+              <a:rPr lang="en-US" dirty="0"/>
+              <a:t>Can we double the number of animals collected? 50% max are going to be female. Are these wild or cultured/planted?</a:t>
+            </a:r>
+          </a:p>
+        </p:txBody>
+      </p:sp>
     </p:spTree>
     <p:extLst>
       <p:ext uri="{BB962C8B-B14F-4D97-AF65-F5344CB8AC3E}">
@@ -5369,7 +5488,7 @@
           <p:cNvPr id="2" name="Title 1">
             <a:extLst>
               <a:ext uri="{FF2B5EF4-FFF2-40B4-BE49-F238E27FC236}">
-                <a16:creationId xmlns:a16="http://schemas.microsoft.com/office/drawing/2014/main" id="{9D8EAAF6-3BD9-C842-9A70-0A5722640C14}"/>
+                <a16:creationId xmlns:a16="http://schemas.microsoft.com/office/drawing/2014/main" id="{B00E47ED-412B-3349-9569-667A21E7AE9E}"/>
               </a:ext>
             </a:extLst>
           </p:cNvPr>
@@ -5387,31 +5506,711 @@
           <a:p>
             <a:r>
               <a:rPr lang="en-US" dirty="0"/>
-              <a:t>CO2 concentration </a:t>
+              <a:t>Setting up system</a:t>
+            </a:r>
+          </a:p>
+        </p:txBody>
+      </p:sp>
+      <p:sp>
+        <p:nvSpPr>
+          <p:cNvPr id="3" name="Content Placeholder 2">
+            <a:extLst>
+              <a:ext uri="{FF2B5EF4-FFF2-40B4-BE49-F238E27FC236}">
+                <a16:creationId xmlns:a16="http://schemas.microsoft.com/office/drawing/2014/main" id="{B9404C1C-6EB2-C743-A031-77628E972A1E}"/>
+              </a:ext>
+            </a:extLst>
+          </p:cNvPr>
+          <p:cNvSpPr>
+            <a:spLocks noGrp="1"/>
+          </p:cNvSpPr>
+          <p:nvPr>
+            <p:ph idx="1"/>
+          </p:nvPr>
+        </p:nvSpPr>
+        <p:spPr/>
+        <p:txBody>
+          <a:bodyPr>
+            <a:normAutofit lnSpcReduction="10000"/>
+          </a:bodyPr>
+          <a:lstStyle/>
+          <a:p>
+            <a:r>
+              <a:rPr lang="en-US" dirty="0"/>
+              <a:t>Brent to order </a:t>
             </a:r>
             <a:r>
               <a:rPr lang="en-US" dirty="0" err="1"/>
-              <a:t>Dabob</a:t>
+              <a:t>Venturi</a:t>
             </a:r>
             <a:r>
               <a:rPr lang="en-US" dirty="0"/>
-              <a:t> bay Orca Buoy Data (near </a:t>
+              <a:t> injectors to infuse CO2</a:t>
+            </a:r>
+          </a:p>
+          <a:p>
+            <a:r>
+              <a:rPr lang="en-US" dirty="0"/>
+              <a:t>Need to set up manifold for feeding:  </a:t>
+            </a:r>
+          </a:p>
+          <a:p>
+            <a:pPr lvl="1"/>
+            <a:r>
+              <a:rPr lang="en-US" dirty="0"/>
+              <a:t>Head tank (black conical tank?) and upstream </a:t>
             </a:r>
             <a:r>
               <a:rPr lang="en-US" dirty="0" err="1"/>
-              <a:t>Quilcene</a:t>
+              <a:t>mixng</a:t>
+            </a:r>
+            <a:r>
+              <a:rPr lang="en-US" dirty="0"/>
+              <a:t> for universal dispersal</a:t>
+            </a:r>
+          </a:p>
+          <a:p>
+            <a:pPr lvl="1"/>
+            <a:r>
+              <a:rPr lang="en-US" dirty="0"/>
+              <a:t>Peristaltic pump in each tank (not as simple, more parts to be non—</a:t>
+            </a:r>
+            <a:r>
+              <a:rPr lang="en-US" dirty="0" err="1"/>
+              <a:t>niform</a:t>
             </a:r>
             <a:r>
               <a:rPr lang="en-US" dirty="0"/>
               <a:t>)</a:t>
             </a:r>
+          </a:p>
+          <a:p>
+            <a:r>
+              <a:rPr lang="en-US" dirty="0"/>
+              <a:t>Feed: can we use algae paste? </a:t>
+            </a:r>
+          </a:p>
+          <a:p>
+            <a:pPr lvl="1"/>
+            <a:r>
+              <a:rPr lang="en-US" dirty="0"/>
+              <a:t>Start off with algal paste and can change to live algae if needed</a:t>
+            </a:r>
+          </a:p>
+          <a:p>
+            <a:r>
+              <a:rPr lang="en-US" dirty="0"/>
+              <a:t>What flow can we accommodate and still maintain pH?</a:t>
+            </a:r>
+          </a:p>
+          <a:p>
+            <a:r>
+              <a:rPr lang="en-US" dirty="0"/>
+              <a:t>Sterilization: </a:t>
+            </a:r>
+          </a:p>
+          <a:p>
+            <a:pPr lvl="1"/>
+            <a:r>
+              <a:rPr lang="en-US" dirty="0"/>
+              <a:t>1micron filter? </a:t>
+            </a:r>
+          </a:p>
+          <a:p>
+            <a:pPr lvl="1"/>
+            <a:r>
+              <a:rPr lang="en-US" dirty="0"/>
+              <a:t>UV?</a:t>
+            </a:r>
+          </a:p>
+          <a:p>
+            <a:endParaRPr lang="en-US" dirty="0"/>
           </a:p>
         </p:txBody>
       </p:sp>
     </p:spTree>
     <p:extLst>
       <p:ext uri="{BB962C8B-B14F-4D97-AF65-F5344CB8AC3E}">
-        <p14:creationId xmlns:p14="http://schemas.microsoft.com/office/powerpoint/2010/main" val="1294125902"/>
+        <p14:creationId xmlns:p14="http://schemas.microsoft.com/office/powerpoint/2010/main" val="3027004953"/>
+      </p:ext>
+    </p:extLst>
+  </p:cSld>
+  <p:clrMapOvr>
+    <a:masterClrMapping/>
+  </p:clrMapOvr>
+</p:sld>
+</file>
+
+<file path=ppt/slides/slide5.xml><?xml version="1.0" encoding="utf-8"?>
+<p:sld xmlns:a="http://schemas.openxmlformats.org/drawingml/2006/main" xmlns:r="http://schemas.openxmlformats.org/officeDocument/2006/relationships" xmlns:p="http://schemas.openxmlformats.org/presentationml/2006/main">
+  <p:cSld>
+    <p:spTree>
+      <p:nvGrpSpPr>
+        <p:cNvPr id="1" name=""/>
+        <p:cNvGrpSpPr/>
+        <p:nvPr/>
+      </p:nvGrpSpPr>
+      <p:grpSpPr>
+        <a:xfrm>
+          <a:off x="0" y="0"/>
+          <a:ext cx="0" cy="0"/>
+          <a:chOff x="0" y="0"/>
+          <a:chExt cx="0" cy="0"/>
+        </a:xfrm>
+      </p:grpSpPr>
+      <p:sp>
+        <p:nvSpPr>
+          <p:cNvPr id="2" name="Title 1">
+            <a:extLst>
+              <a:ext uri="{FF2B5EF4-FFF2-40B4-BE49-F238E27FC236}">
+                <a16:creationId xmlns:a16="http://schemas.microsoft.com/office/drawing/2014/main" id="{E579D5F1-2CD0-224C-8A5B-DD0A7636FD6E}"/>
+              </a:ext>
+            </a:extLst>
+          </p:cNvPr>
+          <p:cNvSpPr>
+            <a:spLocks noGrp="1"/>
+          </p:cNvSpPr>
+          <p:nvPr>
+            <p:ph type="title"/>
+          </p:nvPr>
+        </p:nvSpPr>
+        <p:spPr/>
+        <p:txBody>
+          <a:bodyPr/>
+          <a:lstStyle/>
+          <a:p>
+            <a:r>
+              <a:rPr lang="en-US" dirty="0"/>
+              <a:t>Estimating Gametogenesis</a:t>
+            </a:r>
+          </a:p>
+        </p:txBody>
+      </p:sp>
+      <p:pic>
+        <p:nvPicPr>
+          <p:cNvPr id="7" name="Picture 6">
+            <a:extLst>
+              <a:ext uri="{FF2B5EF4-FFF2-40B4-BE49-F238E27FC236}">
+                <a16:creationId xmlns:a16="http://schemas.microsoft.com/office/drawing/2014/main" id="{0ED38B9C-0B8B-0B4F-9839-1B485CF2E3C6}"/>
+              </a:ext>
+            </a:extLst>
+          </p:cNvPr>
+          <p:cNvPicPr>
+            <a:picLocks noChangeAspect="1"/>
+          </p:cNvPicPr>
+          <p:nvPr/>
+        </p:nvPicPr>
+        <p:blipFill>
+          <a:blip r:embed="rId2"/>
+          <a:stretch>
+            <a:fillRect/>
+          </a:stretch>
+        </p:blipFill>
+        <p:spPr>
+          <a:xfrm>
+            <a:off x="388686" y="1857215"/>
+            <a:ext cx="1728871" cy="2795496"/>
+          </a:xfrm>
+          <a:prstGeom prst="rect">
+            <a:avLst/>
+          </a:prstGeom>
+        </p:spPr>
+      </p:pic>
+      <p:pic>
+        <p:nvPicPr>
+          <p:cNvPr id="9" name="Picture 8">
+            <a:extLst>
+              <a:ext uri="{FF2B5EF4-FFF2-40B4-BE49-F238E27FC236}">
+                <a16:creationId xmlns:a16="http://schemas.microsoft.com/office/drawing/2014/main" id="{31785B7F-31BC-AB4D-A3A8-BFA439757995}"/>
+              </a:ext>
+            </a:extLst>
+          </p:cNvPr>
+          <p:cNvPicPr>
+            <a:picLocks noChangeAspect="1"/>
+          </p:cNvPicPr>
+          <p:nvPr/>
+        </p:nvPicPr>
+        <p:blipFill>
+          <a:blip r:embed="rId3"/>
+          <a:stretch>
+            <a:fillRect/>
+          </a:stretch>
+        </p:blipFill>
+        <p:spPr>
+          <a:xfrm>
+            <a:off x="2113882" y="1862388"/>
+            <a:ext cx="3768420" cy="3133224"/>
+          </a:xfrm>
+          <a:prstGeom prst="rect">
+            <a:avLst/>
+          </a:prstGeom>
+        </p:spPr>
+      </p:pic>
+      <p:pic>
+        <p:nvPicPr>
+          <p:cNvPr id="11" name="Picture 10">
+            <a:extLst>
+              <a:ext uri="{FF2B5EF4-FFF2-40B4-BE49-F238E27FC236}">
+                <a16:creationId xmlns:a16="http://schemas.microsoft.com/office/drawing/2014/main" id="{8A834028-5E73-FC49-B55F-C1F94B88D3CB}"/>
+              </a:ext>
+            </a:extLst>
+          </p:cNvPr>
+          <p:cNvPicPr>
+            <a:picLocks noChangeAspect="1"/>
+          </p:cNvPicPr>
+          <p:nvPr/>
+        </p:nvPicPr>
+        <p:blipFill>
+          <a:blip r:embed="rId4"/>
+          <a:stretch>
+            <a:fillRect/>
+          </a:stretch>
+        </p:blipFill>
+        <p:spPr>
+          <a:xfrm>
+            <a:off x="6096000" y="1860884"/>
+            <a:ext cx="5985052" cy="2612011"/>
+          </a:xfrm>
+          <a:prstGeom prst="rect">
+            <a:avLst/>
+          </a:prstGeom>
+        </p:spPr>
+      </p:pic>
+      <p:sp>
+        <p:nvSpPr>
+          <p:cNvPr id="12" name="TextBox 11">
+            <a:extLst>
+              <a:ext uri="{FF2B5EF4-FFF2-40B4-BE49-F238E27FC236}">
+                <a16:creationId xmlns:a16="http://schemas.microsoft.com/office/drawing/2014/main" id="{87ECFB6A-97DD-D546-B2DD-4B78F778EB8A}"/>
+              </a:ext>
+            </a:extLst>
+          </p:cNvPr>
+          <p:cNvSpPr txBox="1"/>
+          <p:nvPr/>
+        </p:nvSpPr>
+        <p:spPr>
+          <a:xfrm>
+            <a:off x="8758989" y="1395663"/>
+            <a:ext cx="865750" cy="369332"/>
+          </a:xfrm>
+          <a:prstGeom prst="rect">
+            <a:avLst/>
+          </a:prstGeom>
+          <a:noFill/>
+        </p:spPr>
+        <p:txBody>
+          <a:bodyPr wrap="none" rtlCol="0">
+            <a:spAutoFit/>
+          </a:bodyPr>
+          <a:lstStyle/>
+          <a:p>
+            <a:r>
+              <a:rPr lang="en-US" u="sng" dirty="0"/>
+              <a:t>Female</a:t>
+            </a:r>
+          </a:p>
+        </p:txBody>
+      </p:sp>
+      <p:sp>
+        <p:nvSpPr>
+          <p:cNvPr id="13" name="TextBox 12">
+            <a:extLst>
+              <a:ext uri="{FF2B5EF4-FFF2-40B4-BE49-F238E27FC236}">
+                <a16:creationId xmlns:a16="http://schemas.microsoft.com/office/drawing/2014/main" id="{DFAAB203-FFBA-5441-85DA-3CEA7356EDFB}"/>
+              </a:ext>
+            </a:extLst>
+          </p:cNvPr>
+          <p:cNvSpPr txBox="1"/>
+          <p:nvPr/>
+        </p:nvSpPr>
+        <p:spPr>
+          <a:xfrm>
+            <a:off x="3408946" y="1435768"/>
+            <a:ext cx="660758" cy="369332"/>
+          </a:xfrm>
+          <a:prstGeom prst="rect">
+            <a:avLst/>
+          </a:prstGeom>
+          <a:noFill/>
+        </p:spPr>
+        <p:txBody>
+          <a:bodyPr wrap="none" rtlCol="0">
+            <a:spAutoFit/>
+          </a:bodyPr>
+          <a:lstStyle/>
+          <a:p>
+            <a:r>
+              <a:rPr lang="en-US" u="sng" dirty="0"/>
+              <a:t>Male</a:t>
+            </a:r>
+          </a:p>
+        </p:txBody>
+      </p:sp>
+      <p:sp>
+        <p:nvSpPr>
+          <p:cNvPr id="14" name="TextBox 13">
+            <a:extLst>
+              <a:ext uri="{FF2B5EF4-FFF2-40B4-BE49-F238E27FC236}">
+                <a16:creationId xmlns:a16="http://schemas.microsoft.com/office/drawing/2014/main" id="{0956830F-6A83-7B42-80B4-89136754FD7B}"/>
+              </a:ext>
+            </a:extLst>
+          </p:cNvPr>
+          <p:cNvSpPr txBox="1"/>
+          <p:nvPr/>
+        </p:nvSpPr>
+        <p:spPr>
+          <a:xfrm>
+            <a:off x="729916" y="1451811"/>
+            <a:ext cx="1110882" cy="369332"/>
+          </a:xfrm>
+          <a:prstGeom prst="rect">
+            <a:avLst/>
+          </a:prstGeom>
+          <a:noFill/>
+        </p:spPr>
+        <p:txBody>
+          <a:bodyPr wrap="none" rtlCol="0">
+            <a:spAutoFit/>
+          </a:bodyPr>
+          <a:lstStyle/>
+          <a:p>
+            <a:r>
+              <a:rPr lang="en-US" u="sng" dirty="0"/>
+              <a:t>Immature</a:t>
+            </a:r>
+          </a:p>
+        </p:txBody>
+      </p:sp>
+      <p:sp>
+        <p:nvSpPr>
+          <p:cNvPr id="15" name="TextBox 14">
+            <a:extLst>
+              <a:ext uri="{FF2B5EF4-FFF2-40B4-BE49-F238E27FC236}">
+                <a16:creationId xmlns:a16="http://schemas.microsoft.com/office/drawing/2014/main" id="{BDC8F93C-27DA-2548-9019-4AA9FF3D0E62}"/>
+              </a:ext>
+            </a:extLst>
+          </p:cNvPr>
+          <p:cNvSpPr txBox="1"/>
+          <p:nvPr/>
+        </p:nvSpPr>
+        <p:spPr>
+          <a:xfrm>
+            <a:off x="266700" y="5295900"/>
+            <a:ext cx="2219134" cy="646331"/>
+          </a:xfrm>
+          <a:prstGeom prst="rect">
+            <a:avLst/>
+          </a:prstGeom>
+          <a:noFill/>
+        </p:spPr>
+        <p:txBody>
+          <a:bodyPr wrap="none" rtlCol="0">
+            <a:spAutoFit/>
+          </a:bodyPr>
+          <a:lstStyle/>
+          <a:p>
+            <a:r>
+              <a:rPr lang="en-US" dirty="0"/>
+              <a:t>ELISA for vitellogenin:</a:t>
+            </a:r>
+          </a:p>
+          <a:p>
+            <a:r>
+              <a:rPr lang="en-US" dirty="0"/>
+              <a:t>Kit?</a:t>
+            </a:r>
+          </a:p>
+        </p:txBody>
+      </p:sp>
+    </p:spTree>
+    <p:extLst>
+      <p:ext uri="{BB962C8B-B14F-4D97-AF65-F5344CB8AC3E}">
+        <p14:creationId xmlns:p14="http://schemas.microsoft.com/office/powerpoint/2010/main" val="3702176826"/>
+      </p:ext>
+    </p:extLst>
+  </p:cSld>
+  <p:clrMapOvr>
+    <a:masterClrMapping/>
+  </p:clrMapOvr>
+</p:sld>
+</file>
+
+<file path=ppt/slides/slide6.xml><?xml version="1.0" encoding="utf-8"?>
+<p:sld xmlns:a="http://schemas.openxmlformats.org/drawingml/2006/main" xmlns:r="http://schemas.openxmlformats.org/officeDocument/2006/relationships" xmlns:p="http://schemas.openxmlformats.org/presentationml/2006/main">
+  <p:cSld>
+    <p:spTree>
+      <p:nvGrpSpPr>
+        <p:cNvPr id="1" name=""/>
+        <p:cNvGrpSpPr/>
+        <p:nvPr/>
+      </p:nvGrpSpPr>
+      <p:grpSpPr>
+        <a:xfrm>
+          <a:off x="0" y="0"/>
+          <a:ext cx="0" cy="0"/>
+          <a:chOff x="0" y="0"/>
+          <a:chExt cx="0" cy="0"/>
+        </a:xfrm>
+      </p:grpSpPr>
+      <p:sp>
+        <p:nvSpPr>
+          <p:cNvPr id="2" name="Title 1">
+            <a:extLst>
+              <a:ext uri="{FF2B5EF4-FFF2-40B4-BE49-F238E27FC236}">
+                <a16:creationId xmlns:a16="http://schemas.microsoft.com/office/drawing/2014/main" id="{ABA8FA94-EB58-CC42-9ACC-B89E4C87C698}"/>
+              </a:ext>
+            </a:extLst>
+          </p:cNvPr>
+          <p:cNvSpPr>
+            <a:spLocks noGrp="1"/>
+          </p:cNvSpPr>
+          <p:nvPr>
+            <p:ph type="title"/>
+          </p:nvPr>
+        </p:nvSpPr>
+        <p:spPr/>
+        <p:txBody>
+          <a:bodyPr/>
+          <a:lstStyle/>
+          <a:p>
+            <a:pPr algn="ctr"/>
+            <a:r>
+              <a:rPr lang="en-US" dirty="0"/>
+              <a:t>Sampling</a:t>
+            </a:r>
+          </a:p>
+        </p:txBody>
+      </p:sp>
+      <p:sp>
+        <p:nvSpPr>
+          <p:cNvPr id="3" name="Content Placeholder 2">
+            <a:extLst>
+              <a:ext uri="{FF2B5EF4-FFF2-40B4-BE49-F238E27FC236}">
+                <a16:creationId xmlns:a16="http://schemas.microsoft.com/office/drawing/2014/main" id="{AC800D3B-DE3B-7F4B-879D-6D151777C168}"/>
+              </a:ext>
+            </a:extLst>
+          </p:cNvPr>
+          <p:cNvSpPr>
+            <a:spLocks noGrp="1"/>
+          </p:cNvSpPr>
+          <p:nvPr>
+            <p:ph idx="1"/>
+          </p:nvPr>
+        </p:nvSpPr>
+        <p:spPr>
+          <a:xfrm>
+            <a:off x="484239" y="1368425"/>
+            <a:ext cx="10515600" cy="2997098"/>
+          </a:xfrm>
+        </p:spPr>
+        <p:txBody>
+          <a:bodyPr/>
+          <a:lstStyle/>
+          <a:p>
+            <a:r>
+              <a:rPr lang="en-US" dirty="0"/>
+              <a:t>Hemolymph</a:t>
+            </a:r>
+          </a:p>
+          <a:p>
+            <a:pPr lvl="1"/>
+            <a:r>
+              <a:rPr lang="en-US" dirty="0"/>
+              <a:t>1mL Can be sampled up to once/week: mortality low (</a:t>
+            </a:r>
+            <a:r>
+              <a:rPr lang="en-US" dirty="0" err="1"/>
+              <a:t>maya</a:t>
+            </a:r>
+            <a:r>
+              <a:rPr lang="en-US" dirty="0"/>
+              <a:t>)</a:t>
+            </a:r>
+          </a:p>
+          <a:p>
+            <a:pPr lvl="2"/>
+            <a:r>
+              <a:rPr lang="en-US" dirty="0"/>
+              <a:t>Freeze serum and do analysis later</a:t>
+            </a:r>
+          </a:p>
+          <a:p>
+            <a:pPr lvl="2"/>
+            <a:r>
+              <a:rPr lang="en-US" dirty="0"/>
+              <a:t>Monitor gonad development over time by ELISA</a:t>
+            </a:r>
+          </a:p>
+          <a:p>
+            <a:pPr lvl="3"/>
+            <a:r>
+              <a:rPr lang="en-US" dirty="0"/>
+              <a:t>Read out that animals are maturing</a:t>
+            </a:r>
+          </a:p>
+          <a:p>
+            <a:r>
+              <a:rPr lang="en-US" dirty="0"/>
+              <a:t>Gonad</a:t>
+            </a:r>
+          </a:p>
+          <a:p>
+            <a:pPr lvl="1"/>
+            <a:r>
+              <a:rPr lang="en-US" dirty="0"/>
+              <a:t>Needle biopsy and histology</a:t>
+            </a:r>
+          </a:p>
+          <a:p>
+            <a:pPr lvl="1"/>
+            <a:endParaRPr lang="en-US" dirty="0"/>
+          </a:p>
+          <a:p>
+            <a:pPr marL="1371600" lvl="3" indent="0">
+              <a:buNone/>
+            </a:pPr>
+            <a:endParaRPr lang="en-US" dirty="0"/>
+          </a:p>
+          <a:p>
+            <a:pPr lvl="1"/>
+            <a:endParaRPr lang="en-US" dirty="0"/>
+          </a:p>
+          <a:p>
+            <a:endParaRPr lang="en-US" dirty="0"/>
+          </a:p>
+        </p:txBody>
+      </p:sp>
+    </p:spTree>
+    <p:extLst>
+      <p:ext uri="{BB962C8B-B14F-4D97-AF65-F5344CB8AC3E}">
+        <p14:creationId xmlns:p14="http://schemas.microsoft.com/office/powerpoint/2010/main" val="2800884898"/>
+      </p:ext>
+    </p:extLst>
+  </p:cSld>
+  <p:clrMapOvr>
+    <a:masterClrMapping/>
+  </p:clrMapOvr>
+</p:sld>
+</file>
+
+<file path=ppt/slides/slide7.xml><?xml version="1.0" encoding="utf-8"?>
+<p:sld xmlns:a="http://schemas.openxmlformats.org/drawingml/2006/main" xmlns:r="http://schemas.openxmlformats.org/officeDocument/2006/relationships" xmlns:p="http://schemas.openxmlformats.org/presentationml/2006/main">
+  <p:cSld>
+    <p:spTree>
+      <p:nvGrpSpPr>
+        <p:cNvPr id="1" name=""/>
+        <p:cNvGrpSpPr/>
+        <p:nvPr/>
+      </p:nvGrpSpPr>
+      <p:grpSpPr>
+        <a:xfrm>
+          <a:off x="0" y="0"/>
+          <a:ext cx="0" cy="0"/>
+          <a:chOff x="0" y="0"/>
+          <a:chExt cx="0" cy="0"/>
+        </a:xfrm>
+      </p:grpSpPr>
+      <p:sp>
+        <p:nvSpPr>
+          <p:cNvPr id="2" name="Title 1">
+            <a:extLst>
+              <a:ext uri="{FF2B5EF4-FFF2-40B4-BE49-F238E27FC236}">
+                <a16:creationId xmlns:a16="http://schemas.microsoft.com/office/drawing/2014/main" id="{B182230D-2B00-974D-B5A1-4CF21E343F34}"/>
+              </a:ext>
+            </a:extLst>
+          </p:cNvPr>
+          <p:cNvSpPr>
+            <a:spLocks noGrp="1"/>
+          </p:cNvSpPr>
+          <p:nvPr>
+            <p:ph type="title"/>
+          </p:nvPr>
+        </p:nvSpPr>
+        <p:spPr/>
+        <p:txBody>
+          <a:bodyPr/>
+          <a:lstStyle/>
+          <a:p>
+            <a:r>
+              <a:rPr lang="en-US" dirty="0"/>
+              <a:t>Assays</a:t>
+            </a:r>
+          </a:p>
+        </p:txBody>
+      </p:sp>
+      <p:sp>
+        <p:nvSpPr>
+          <p:cNvPr id="3" name="Content Placeholder 2">
+            <a:extLst>
+              <a:ext uri="{FF2B5EF4-FFF2-40B4-BE49-F238E27FC236}">
+                <a16:creationId xmlns:a16="http://schemas.microsoft.com/office/drawing/2014/main" id="{0B343D35-1970-3B4C-A9A3-DA85AB65807C}"/>
+              </a:ext>
+            </a:extLst>
+          </p:cNvPr>
+          <p:cNvSpPr>
+            <a:spLocks noGrp="1"/>
+          </p:cNvSpPr>
+          <p:nvPr>
+            <p:ph idx="1"/>
+          </p:nvPr>
+        </p:nvSpPr>
+        <p:spPr/>
+        <p:txBody>
+          <a:bodyPr/>
+          <a:lstStyle/>
+          <a:p>
+            <a:r>
+              <a:rPr lang="en-US" dirty="0"/>
+              <a:t>QPCR for checking expression of maturation genes</a:t>
+            </a:r>
+          </a:p>
+          <a:p>
+            <a:pPr lvl="1"/>
+            <a:r>
+              <a:rPr lang="en-US" dirty="0"/>
+              <a:t>Blood samples in the freezer from known stages</a:t>
+            </a:r>
+          </a:p>
+          <a:p>
+            <a:r>
+              <a:rPr lang="en-US" dirty="0"/>
+              <a:t>Vitellogenin ELISA or </a:t>
+            </a:r>
+            <a:r>
+              <a:rPr lang="en-US" dirty="0" err="1"/>
+              <a:t>DotBlot</a:t>
+            </a:r>
+            <a:r>
+              <a:rPr lang="en-US" dirty="0"/>
+              <a:t> assay</a:t>
+            </a:r>
+          </a:p>
+          <a:p>
+            <a:pPr lvl="1"/>
+            <a:r>
+              <a:rPr lang="en-US" dirty="0"/>
+              <a:t>Freezer blood samples will work for this as well</a:t>
+            </a:r>
+          </a:p>
+          <a:p>
+            <a:pPr lvl="1"/>
+            <a:r>
+              <a:rPr lang="en-US" dirty="0"/>
+              <a:t>Can use males a neg. control </a:t>
+            </a:r>
+          </a:p>
+          <a:p>
+            <a:pPr lvl="1"/>
+            <a:r>
+              <a:rPr lang="en-US" dirty="0"/>
+              <a:t>Can use vitellogenin levels in Emma’s proteomes as a baseline</a:t>
+            </a:r>
+          </a:p>
+        </p:txBody>
+      </p:sp>
+    </p:spTree>
+    <p:extLst>
+      <p:ext uri="{BB962C8B-B14F-4D97-AF65-F5344CB8AC3E}">
+        <p14:creationId xmlns:p14="http://schemas.microsoft.com/office/powerpoint/2010/main" val="650370390"/>
       </p:ext>
     </p:extLst>
   </p:cSld>
